--- a/InventoryProcurementStrategy/Inventory procurement strategy Design deck.pptx
+++ b/InventoryProcurementStrategy/Inventory procurement strategy Design deck.pptx
@@ -108,6 +108,11 @@
       </a:defRPr>
     </a:lvl9pPr>
   </p:defaultTextStyle>
+  <p:extLst>
+    <p:ext uri="{EFAFB233-063F-42B5-8137-9DF3F51BA10A}">
+      <p15:sldGuideLst xmlns:p15="http://schemas.microsoft.com/office/powerpoint/2012/main"/>
+    </p:ext>
+  </p:extLst>
 </p:presentation>
 </file>
 
@@ -337,7 +342,7 @@
           <a:p>
             <a:fld id="{DD8CB069-0FA6-40E7-A392-D1C6199B4EC0}" type="datetimeFigureOut">
               <a:rPr lang="en-US" smtClean="0"/>
-              <a:t>3/3/2019</a:t>
+              <a:t>3/4/2019</a:t>
             </a:fld>
             <a:endParaRPr lang="en-US"/>
           </a:p>
@@ -545,7 +550,7 @@
           <a:p>
             <a:fld id="{DD8CB069-0FA6-40E7-A392-D1C6199B4EC0}" type="datetimeFigureOut">
               <a:rPr lang="en-US" smtClean="0"/>
-              <a:t>3/3/2019</a:t>
+              <a:t>3/4/2019</a:t>
             </a:fld>
             <a:endParaRPr lang="en-US"/>
           </a:p>
@@ -801,7 +806,7 @@
           <a:p>
             <a:fld id="{DD8CB069-0FA6-40E7-A392-D1C6199B4EC0}" type="datetimeFigureOut">
               <a:rPr lang="en-US" smtClean="0"/>
-              <a:t>3/3/2019</a:t>
+              <a:t>3/4/2019</a:t>
             </a:fld>
             <a:endParaRPr lang="en-US"/>
           </a:p>
@@ -975,7 +980,7 @@
           <a:p>
             <a:fld id="{DD8CB069-0FA6-40E7-A392-D1C6199B4EC0}" type="datetimeFigureOut">
               <a:rPr lang="en-US" smtClean="0"/>
-              <a:t>3/3/2019</a:t>
+              <a:t>3/4/2019</a:t>
             </a:fld>
             <a:endParaRPr lang="en-US"/>
           </a:p>
@@ -1318,7 +1323,7 @@
           <a:p>
             <a:fld id="{DD8CB069-0FA6-40E7-A392-D1C6199B4EC0}" type="datetimeFigureOut">
               <a:rPr lang="en-US" smtClean="0"/>
-              <a:t>3/3/2019</a:t>
+              <a:t>3/4/2019</a:t>
             </a:fld>
             <a:endParaRPr lang="en-US"/>
           </a:p>
@@ -1593,7 +1598,7 @@
           <a:p>
             <a:fld id="{DD8CB069-0FA6-40E7-A392-D1C6199B4EC0}" type="datetimeFigureOut">
               <a:rPr lang="en-US" smtClean="0"/>
-              <a:t>3/3/2019</a:t>
+              <a:t>3/4/2019</a:t>
             </a:fld>
             <a:endParaRPr lang="en-US"/>
           </a:p>
@@ -1972,7 +1977,7 @@
           <a:p>
             <a:fld id="{DD8CB069-0FA6-40E7-A392-D1C6199B4EC0}" type="datetimeFigureOut">
               <a:rPr lang="en-US" smtClean="0"/>
-              <a:t>3/3/2019</a:t>
+              <a:t>3/4/2019</a:t>
             </a:fld>
             <a:endParaRPr lang="en-US"/>
           </a:p>
@@ -2090,7 +2095,7 @@
           <a:p>
             <a:fld id="{DD8CB069-0FA6-40E7-A392-D1C6199B4EC0}" type="datetimeFigureOut">
               <a:rPr lang="en-US" smtClean="0"/>
-              <a:t>3/3/2019</a:t>
+              <a:t>3/4/2019</a:t>
             </a:fld>
             <a:endParaRPr lang="en-US"/>
           </a:p>
@@ -2261,7 +2266,7 @@
           <a:p>
             <a:fld id="{DD8CB069-0FA6-40E7-A392-D1C6199B4EC0}" type="datetimeFigureOut">
               <a:rPr lang="en-US" smtClean="0"/>
-              <a:t>3/3/2019</a:t>
+              <a:t>3/4/2019</a:t>
             </a:fld>
             <a:endParaRPr lang="en-US"/>
           </a:p>
@@ -2615,7 +2620,7 @@
           <a:p>
             <a:fld id="{DD8CB069-0FA6-40E7-A392-D1C6199B4EC0}" type="datetimeFigureOut">
               <a:rPr lang="en-US" smtClean="0"/>
-              <a:t>3/3/2019</a:t>
+              <a:t>3/4/2019</a:t>
             </a:fld>
             <a:endParaRPr lang="en-US"/>
           </a:p>
@@ -2997,7 +3002,7 @@
           <a:p>
             <a:fld id="{DD8CB069-0FA6-40E7-A392-D1C6199B4EC0}" type="datetimeFigureOut">
               <a:rPr lang="en-US" smtClean="0"/>
-              <a:t>3/3/2019</a:t>
+              <a:t>3/4/2019</a:t>
             </a:fld>
             <a:endParaRPr lang="en-US"/>
           </a:p>
@@ -3284,7 +3289,7 @@
           <a:p>
             <a:fld id="{DD8CB069-0FA6-40E7-A392-D1C6199B4EC0}" type="datetimeFigureOut">
               <a:rPr lang="en-US" smtClean="0"/>
-              <a:t>3/3/2019</a:t>
+              <a:t>3/4/2019</a:t>
             </a:fld>
             <a:endParaRPr lang="en-US"/>
           </a:p>
@@ -5602,10 +5607,10 @@
       </p:sp>
       <p:pic>
         <p:nvPicPr>
-          <p:cNvPr id="5" name="Picture 4">
+          <p:cNvPr id="2" name="Picture 1">
             <a:extLst>
               <a:ext uri="{FF2B5EF4-FFF2-40B4-BE49-F238E27FC236}">
-                <a16:creationId xmlns:a16="http://schemas.microsoft.com/office/drawing/2014/main" id="{201A3CAC-15E7-4314-936D-8DE9FEDDDC90}"/>
+                <a16:creationId xmlns:a16="http://schemas.microsoft.com/office/drawing/2014/main" id="{CAEB76C1-B5B7-4735-B8A2-DF3E3CA017D8}"/>
               </a:ext>
             </a:extLst>
           </p:cNvPr>
@@ -5622,8 +5627,8 @@
         </p:blipFill>
         <p:spPr>
           <a:xfrm>
-            <a:off x="1949841" y="2251579"/>
-            <a:ext cx="8164830" cy="3769394"/>
+            <a:off x="1969476" y="1837021"/>
+            <a:ext cx="8426549" cy="4406586"/>
           </a:xfrm>
           <a:prstGeom prst="rect">
             <a:avLst/>
